--- a/Szymon - Powerpoint.pptx
+++ b/Szymon - Powerpoint.pptx
@@ -5,11 +5,12 @@
     <p:sldMasterId id="2147483660" r:id="rId1"/>
   </p:sldMasterIdLst>
   <p:notesMasterIdLst>
-    <p:notesMasterId r:id="rId4"/>
+    <p:notesMasterId r:id="rId5"/>
   </p:notesMasterIdLst>
   <p:sldIdLst>
     <p:sldId id="256" r:id="rId2"/>
     <p:sldId id="257" r:id="rId3"/>
+    <p:sldId id="258" r:id="rId4"/>
   </p:sldIdLst>
   <p:sldSz cx="12192000" cy="6858000"/>
   <p:notesSz cx="6858000" cy="9144000"/>
@@ -108,6 +109,11 @@
       </a:defRPr>
     </a:lvl9pPr>
   </p:defaultTextStyle>
+  <p:extLst>
+    <p:ext uri="{EFAFB233-063F-42B5-8137-9DF3F51BA10A}">
+      <p15:sldGuideLst xmlns:p15="http://schemas.microsoft.com/office/powerpoint/2012/main"/>
+    </p:ext>
+  </p:extLst>
 </p:presentation>
 </file>
 
@@ -6631,7 +6637,7 @@
         </p:blipFill>
         <p:spPr>
           <a:xfrm>
-            <a:off x="2937694" y="3400401"/>
+            <a:off x="2937694" y="3900838"/>
             <a:ext cx="5277775" cy="2847998"/>
           </a:xfrm>
           <a:prstGeom prst="rect">
@@ -6684,6 +6690,329 @@
   <p:clrMapOvr>
     <a:masterClrMapping/>
   </p:clrMapOvr>
+</p:sld>
+</file>
+
+<file path=ppt/slides/slide3.xml><?xml version="1.0" encoding="utf-8"?>
+<p:sld xmlns:a="http://schemas.openxmlformats.org/drawingml/2006/main" xmlns:r="http://schemas.openxmlformats.org/officeDocument/2006/relationships" xmlns:p="http://schemas.openxmlformats.org/presentationml/2006/main">
+  <p:cSld>
+    <p:spTree>
+      <p:nvGrpSpPr>
+        <p:cNvPr id="1" name=""/>
+        <p:cNvGrpSpPr/>
+        <p:nvPr/>
+      </p:nvGrpSpPr>
+      <p:grpSpPr>
+        <a:xfrm>
+          <a:off x="0" y="0"/>
+          <a:ext cx="0" cy="0"/>
+          <a:chOff x="0" y="0"/>
+          <a:chExt cx="0" cy="0"/>
+        </a:xfrm>
+      </p:grpSpPr>
+      <p:sp>
+        <p:nvSpPr>
+          <p:cNvPr id="2" name="Title 1">
+            <a:extLst>
+              <a:ext uri="{FF2B5EF4-FFF2-40B4-BE49-F238E27FC236}">
+                <a16:creationId xmlns:a16="http://schemas.microsoft.com/office/drawing/2014/main" id="{2313201A-5AAB-455D-9085-69B278D859ED}"/>
+              </a:ext>
+            </a:extLst>
+          </p:cNvPr>
+          <p:cNvSpPr>
+            <a:spLocks noGrp="1"/>
+          </p:cNvSpPr>
+          <p:nvPr>
+            <p:ph type="title"/>
+          </p:nvPr>
+        </p:nvSpPr>
+        <p:spPr/>
+        <p:txBody>
+          <a:bodyPr/>
+          <a:lstStyle/>
+          <a:p>
+            <a:r>
+              <a:rPr lang="en-IE" dirty="0"/>
+              <a:t>30 seconds gameplay description</a:t>
+            </a:r>
+          </a:p>
+        </p:txBody>
+      </p:sp>
+      <p:sp>
+        <p:nvSpPr>
+          <p:cNvPr id="3" name="Content Placeholder 2">
+            <a:extLst>
+              <a:ext uri="{FF2B5EF4-FFF2-40B4-BE49-F238E27FC236}">
+                <a16:creationId xmlns:a16="http://schemas.microsoft.com/office/drawing/2014/main" id="{0A57F4D6-0744-4989-9A0B-4E81C6C442FF}"/>
+              </a:ext>
+            </a:extLst>
+          </p:cNvPr>
+          <p:cNvSpPr>
+            <a:spLocks noGrp="1"/>
+          </p:cNvSpPr>
+          <p:nvPr>
+            <p:ph idx="1"/>
+          </p:nvPr>
+        </p:nvSpPr>
+        <p:spPr/>
+        <p:txBody>
+          <a:bodyPr/>
+          <a:lstStyle/>
+          <a:p>
+            <a:r>
+              <a:rPr lang="en-US" dirty="0"/>
+              <a:t>The game will feature the player as a panda who will catch bamboo to eat. </a:t>
+            </a:r>
+          </a:p>
+          <a:p>
+            <a:r>
+              <a:rPr lang="en-US" dirty="0"/>
+              <a:t>But some people decided to throw trash at him, avoid the trash and catch bamboo to eat.</a:t>
+            </a:r>
+            <a:endParaRPr lang="en-IE" dirty="0"/>
+          </a:p>
+        </p:txBody>
+      </p:sp>
+      <p:pic>
+        <p:nvPicPr>
+          <p:cNvPr id="5" name="Picture 4">
+            <a:extLst>
+              <a:ext uri="{FF2B5EF4-FFF2-40B4-BE49-F238E27FC236}">
+                <a16:creationId xmlns:a16="http://schemas.microsoft.com/office/drawing/2014/main" id="{CA2A55EC-0B02-455B-AF89-0213ACFB15DE}"/>
+              </a:ext>
+            </a:extLst>
+          </p:cNvPr>
+          <p:cNvPicPr>
+            <a:picLocks noChangeAspect="1"/>
+          </p:cNvPicPr>
+          <p:nvPr/>
+        </p:nvPicPr>
+        <p:blipFill>
+          <a:blip r:embed="rId4">
+            <a:extLst>
+              <a:ext uri="{28A0092B-C50C-407E-A947-70E740481C1C}">
+                <a14:useLocalDpi xmlns:a14="http://schemas.microsoft.com/office/drawing/2010/main" val="0"/>
+              </a:ext>
+            </a:extLst>
+          </a:blip>
+          <a:stretch>
+            <a:fillRect/>
+          </a:stretch>
+        </p:blipFill>
+        <p:spPr>
+          <a:xfrm>
+            <a:off x="7328693" y="4590088"/>
+            <a:ext cx="2386619" cy="2267911"/>
+          </a:xfrm>
+          <a:prstGeom prst="rect">
+            <a:avLst/>
+          </a:prstGeom>
+        </p:spPr>
+      </p:pic>
+      <p:pic>
+        <p:nvPicPr>
+          <p:cNvPr id="7" name="Picture 6">
+            <a:extLst>
+              <a:ext uri="{FF2B5EF4-FFF2-40B4-BE49-F238E27FC236}">
+                <a16:creationId xmlns:a16="http://schemas.microsoft.com/office/drawing/2014/main" id="{7C8CC37E-3684-4EEB-A654-8625C090DB30}"/>
+              </a:ext>
+            </a:extLst>
+          </p:cNvPr>
+          <p:cNvPicPr>
+            <a:picLocks noChangeAspect="1"/>
+          </p:cNvPicPr>
+          <p:nvPr/>
+        </p:nvPicPr>
+        <p:blipFill>
+          <a:blip r:embed="rId5">
+            <a:extLst>
+              <a:ext uri="{28A0092B-C50C-407E-A947-70E740481C1C}">
+                <a14:useLocalDpi xmlns:a14="http://schemas.microsoft.com/office/drawing/2010/main" val="0"/>
+              </a:ext>
+            </a:extLst>
+          </a:blip>
+          <a:stretch>
+            <a:fillRect/>
+          </a:stretch>
+        </p:blipFill>
+        <p:spPr>
+          <a:xfrm>
+            <a:off x="1552125" y="4590089"/>
+            <a:ext cx="2098874" cy="2267912"/>
+          </a:xfrm>
+          <a:prstGeom prst="rect">
+            <a:avLst/>
+          </a:prstGeom>
+        </p:spPr>
+      </p:pic>
+      <p:pic>
+        <p:nvPicPr>
+          <p:cNvPr id="9" name="Picture 8">
+            <a:extLst>
+              <a:ext uri="{FF2B5EF4-FFF2-40B4-BE49-F238E27FC236}">
+                <a16:creationId xmlns:a16="http://schemas.microsoft.com/office/drawing/2014/main" id="{0FAADA22-18BB-4A2F-BE5E-F64D0A8BE70F}"/>
+              </a:ext>
+            </a:extLst>
+          </p:cNvPr>
+          <p:cNvPicPr>
+            <a:picLocks noChangeAspect="1"/>
+          </p:cNvPicPr>
+          <p:nvPr/>
+        </p:nvPicPr>
+        <p:blipFill>
+          <a:blip r:embed="rId6">
+            <a:extLst>
+              <a:ext uri="{28A0092B-C50C-407E-A947-70E740481C1C}">
+                <a14:useLocalDpi xmlns:a14="http://schemas.microsoft.com/office/drawing/2010/main" val="0"/>
+              </a:ext>
+            </a:extLst>
+          </a:blip>
+          <a:stretch>
+            <a:fillRect/>
+          </a:stretch>
+        </p:blipFill>
+        <p:spPr>
+          <a:xfrm>
+            <a:off x="3650999" y="4590089"/>
+            <a:ext cx="3677694" cy="2267911"/>
+          </a:xfrm>
+          <a:prstGeom prst="rect">
+            <a:avLst/>
+          </a:prstGeom>
+        </p:spPr>
+      </p:pic>
+      <p:pic>
+        <p:nvPicPr>
+          <p:cNvPr id="10" name="jungle ambience">
+            <a:hlinkClick r:id="" action="ppaction://media"/>
+            <a:extLst>
+              <a:ext uri="{FF2B5EF4-FFF2-40B4-BE49-F238E27FC236}">
+                <a16:creationId xmlns:a16="http://schemas.microsoft.com/office/drawing/2014/main" id="{1BF42783-1720-4113-8AB4-1FCDDD297C00}"/>
+              </a:ext>
+            </a:extLst>
+          </p:cNvPr>
+          <p:cNvPicPr>
+            <a:picLocks noChangeAspect="1"/>
+          </p:cNvPicPr>
+          <p:nvPr>
+            <a:audioFile r:link="rId2"/>
+            <p:extLst>
+              <p:ext uri="{DAA4B4D4-6D71-4841-9C94-3DE7FCFB9230}">
+                <p14:media xmlns:p14="http://schemas.microsoft.com/office/powerpoint/2010/main" r:embed="rId1"/>
+              </p:ext>
+            </p:extLst>
+          </p:nvPr>
+        </p:nvPicPr>
+        <p:blipFill>
+          <a:blip r:embed="rId7"/>
+          <a:stretch>
+            <a:fillRect/>
+          </a:stretch>
+        </p:blipFill>
+        <p:spPr>
+          <a:xfrm>
+            <a:off x="5271782" y="3675689"/>
+            <a:ext cx="609600" cy="609600"/>
+          </a:xfrm>
+          <a:prstGeom prst="rect">
+            <a:avLst/>
+          </a:prstGeom>
+        </p:spPr>
+      </p:pic>
+    </p:spTree>
+    <p:extLst>
+      <p:ext uri="{BB962C8B-B14F-4D97-AF65-F5344CB8AC3E}">
+        <p14:creationId xmlns:p14="http://schemas.microsoft.com/office/powerpoint/2010/main" val="3922132516"/>
+      </p:ext>
+    </p:extLst>
+  </p:cSld>
+  <p:clrMapOvr>
+    <a:masterClrMapping/>
+  </p:clrMapOvr>
+  <p:timing>
+    <p:tnLst>
+      <p:par>
+        <p:cTn id="1" dur="indefinite" restart="never" nodeType="tmRoot">
+          <p:childTnLst>
+            <p:seq concurrent="1" nextAc="seek">
+              <p:cTn id="2" dur="indefinite" nodeType="mainSeq">
+                <p:childTnLst>
+                  <p:par>
+                    <p:cTn id="3" fill="hold">
+                      <p:stCondLst>
+                        <p:cond delay="indefinite"/>
+                      </p:stCondLst>
+                      <p:childTnLst>
+                        <p:par>
+                          <p:cTn id="4" fill="hold">
+                            <p:stCondLst>
+                              <p:cond delay="0"/>
+                            </p:stCondLst>
+                            <p:childTnLst>
+                              <p:par>
+                                <p:cTn id="5" presetID="1" presetClass="mediacall" presetSubtype="0" fill="hold" nodeType="clickEffect">
+                                  <p:stCondLst>
+                                    <p:cond delay="0"/>
+                                  </p:stCondLst>
+                                  <p:childTnLst>
+                                    <p:cmd type="call" cmd="playFrom(0.0)">
+                                      <p:cBhvr>
+                                        <p:cTn id="6" dur="84552" fill="hold"/>
+                                        <p:tgtEl>
+                                          <p:spTgt spid="10"/>
+                                        </p:tgtEl>
+                                      </p:cBhvr>
+                                    </p:cmd>
+                                  </p:childTnLst>
+                                </p:cTn>
+                              </p:par>
+                            </p:childTnLst>
+                          </p:cTn>
+                        </p:par>
+                      </p:childTnLst>
+                    </p:cTn>
+                  </p:par>
+                </p:childTnLst>
+              </p:cTn>
+              <p:prevCondLst>
+                <p:cond evt="onPrev" delay="0">
+                  <p:tgtEl>
+                    <p:sldTgt/>
+                  </p:tgtEl>
+                </p:cond>
+              </p:prevCondLst>
+              <p:nextCondLst>
+                <p:cond evt="onNext" delay="0">
+                  <p:tgtEl>
+                    <p:sldTgt/>
+                  </p:tgtEl>
+                </p:cond>
+              </p:nextCondLst>
+            </p:seq>
+            <p:audio>
+              <p:cMediaNode vol="80000">
+                <p:cTn id="7" fill="hold" display="0">
+                  <p:stCondLst>
+                    <p:cond delay="indefinite"/>
+                  </p:stCondLst>
+                  <p:endCondLst>
+                    <p:cond evt="onStopAudio" delay="0">
+                      <p:tgtEl>
+                        <p:sldTgt/>
+                      </p:tgtEl>
+                    </p:cond>
+                  </p:endCondLst>
+                </p:cTn>
+                <p:tgtEl>
+                  <p:spTgt spid="10"/>
+                </p:tgtEl>
+              </p:cMediaNode>
+            </p:audio>
+          </p:childTnLst>
+        </p:cTn>
+      </p:par>
+    </p:tnLst>
+  </p:timing>
 </p:sld>
 </file>
 

--- a/Szymon - Powerpoint.pptx
+++ b/Szymon - Powerpoint.pptx
@@ -6769,6 +6769,12 @@
               <a:rPr lang="en-US" dirty="0"/>
               <a:t>But some people decided to throw trash at him, avoid the trash and catch bamboo to eat.</a:t>
             </a:r>
+          </a:p>
+          <a:p>
+            <a:r>
+              <a:rPr lang="en-US" dirty="0"/>
+              <a:t>Go trough levels and unlock cosmetics and more levels. The higher level you get to, the harder it gets!</a:t>
+            </a:r>
             <a:endParaRPr lang="en-IE" dirty="0"/>
           </a:p>
         </p:txBody>
@@ -6911,7 +6917,7 @@
         </p:blipFill>
         <p:spPr>
           <a:xfrm>
-            <a:off x="5271782" y="3675689"/>
+            <a:off x="341311" y="5419243"/>
             <a:ext cx="609600" cy="609600"/>
           </a:xfrm>
           <a:prstGeom prst="rect">
